--- a/picture/Throughput.pptx
+++ b/picture/Throughput.pptx
@@ -104,6 +104,11 @@
       </a:defRPr>
     </a:lvl9pPr>
   </p:defaultTextStyle>
+  <p:extLst>
+    <p:ext uri="{EFAFB233-063F-42B5-8137-9DF3F51BA10A}">
+      <p15:sldGuideLst xmlns:p15="http://schemas.microsoft.com/office/powerpoint/2012/main"/>
+    </p:ext>
+  </p:extLst>
 </p:presentation>
 </file>
 
@@ -3323,10 +3328,10 @@
       </p:grpSpPr>
       <p:pic>
         <p:nvPicPr>
-          <p:cNvPr id="45" name="图形 44">
-            <a:extLst>
-              <a:ext uri="{FF2B5EF4-FFF2-40B4-BE49-F238E27FC236}">
-                <a16:creationId xmlns:a16="http://schemas.microsoft.com/office/drawing/2014/main" id="{ABA2421F-E8F6-43FC-42B4-800A986C9A34}"/>
+          <p:cNvPr id="13" name="图形 12">
+            <a:extLst>
+              <a:ext uri="{FF2B5EF4-FFF2-40B4-BE49-F238E27FC236}">
+                <a16:creationId xmlns:a16="http://schemas.microsoft.com/office/drawing/2014/main" id="{DC98927C-EFDC-275B-271D-ECE99E81FCD7}"/>
               </a:ext>
             </a:extLst>
           </p:cNvPr>
@@ -3349,8 +3354,8 @@
         </p:blipFill>
         <p:spPr>
           <a:xfrm>
-            <a:off x="2722881" y="3638972"/>
-            <a:ext cx="4023360" cy="3017520"/>
+            <a:off x="6187688" y="40888"/>
+            <a:ext cx="4517483" cy="3388112"/>
           </a:xfrm>
           <a:prstGeom prst="rect">
             <a:avLst/>
@@ -3359,10 +3364,10 @@
       </p:pic>
       <p:pic>
         <p:nvPicPr>
-          <p:cNvPr id="48" name="图形 47">
-            <a:extLst>
-              <a:ext uri="{FF2B5EF4-FFF2-40B4-BE49-F238E27FC236}">
-                <a16:creationId xmlns:a16="http://schemas.microsoft.com/office/drawing/2014/main" id="{B6D8C374-C9C8-302C-902B-0CE96558A829}"/>
+          <p:cNvPr id="15" name="图形 14">
+            <a:extLst>
+              <a:ext uri="{FF2B5EF4-FFF2-40B4-BE49-F238E27FC236}">
+                <a16:creationId xmlns:a16="http://schemas.microsoft.com/office/drawing/2014/main" id="{6722F094-79DD-37D3-2374-DF36C34F8A71}"/>
               </a:ext>
             </a:extLst>
           </p:cNvPr>
@@ -3385,8 +3390,8 @@
         </p:blipFill>
         <p:spPr>
           <a:xfrm>
-            <a:off x="2722881" y="735858"/>
-            <a:ext cx="4023360" cy="3017520"/>
+            <a:off x="1670825" y="40888"/>
+            <a:ext cx="4517483" cy="3388112"/>
           </a:xfrm>
           <a:prstGeom prst="rect">
             <a:avLst/>
@@ -3395,10 +3400,10 @@
       </p:pic>
       <p:pic>
         <p:nvPicPr>
-          <p:cNvPr id="49" name="图形 48">
-            <a:extLst>
-              <a:ext uri="{FF2B5EF4-FFF2-40B4-BE49-F238E27FC236}">
-                <a16:creationId xmlns:a16="http://schemas.microsoft.com/office/drawing/2014/main" id="{5CD0F842-EE33-3546-5B0F-44EA97BB8576}"/>
+          <p:cNvPr id="17" name="图形 16">
+            <a:extLst>
+              <a:ext uri="{FF2B5EF4-FFF2-40B4-BE49-F238E27FC236}">
+                <a16:creationId xmlns:a16="http://schemas.microsoft.com/office/drawing/2014/main" id="{1F443A87-2A3A-E1EF-971C-A0F1E424B374}"/>
               </a:ext>
             </a:extLst>
           </p:cNvPr>
@@ -3421,8 +3426,8 @@
         </p:blipFill>
         <p:spPr>
           <a:xfrm>
-            <a:off x="7020561" y="735858"/>
-            <a:ext cx="4023360" cy="3017520"/>
+            <a:off x="1575420" y="3429000"/>
+            <a:ext cx="4517483" cy="3388112"/>
           </a:xfrm>
           <a:prstGeom prst="rect">
             <a:avLst/>
@@ -3431,10 +3436,10 @@
       </p:pic>
       <p:pic>
         <p:nvPicPr>
-          <p:cNvPr id="50" name="图形 49">
-            <a:extLst>
-              <a:ext uri="{FF2B5EF4-FFF2-40B4-BE49-F238E27FC236}">
-                <a16:creationId xmlns:a16="http://schemas.microsoft.com/office/drawing/2014/main" id="{F6EEA023-BF72-3A02-4A59-2170174E7C57}"/>
+          <p:cNvPr id="19" name="图形 18">
+            <a:extLst>
+              <a:ext uri="{FF2B5EF4-FFF2-40B4-BE49-F238E27FC236}">
+                <a16:creationId xmlns:a16="http://schemas.microsoft.com/office/drawing/2014/main" id="{E89742F7-16E6-00F2-1735-E4D80DB22EE6}"/>
               </a:ext>
             </a:extLst>
           </p:cNvPr>
@@ -3457,8 +3462,8 @@
         </p:blipFill>
         <p:spPr>
           <a:xfrm>
-            <a:off x="7020561" y="3638972"/>
-            <a:ext cx="4023360" cy="3017520"/>
+            <a:off x="6187687" y="3429000"/>
+            <a:ext cx="4517483" cy="3388112"/>
           </a:xfrm>
           <a:prstGeom prst="rect">
             <a:avLst/>
